--- a/Specs/20191028 Ironhack Project1 Spec.pptx
+++ b/Specs/20191028 Ironhack Project1 Spec.pptx
@@ -274,7 +274,7 @@
           <a:p>
             <a:fld id="{2642DE4A-4760-3A41-BB5A-545DBD07DF79}" type="datetimeFigureOut">
               <a:rPr lang="fr-FR" smtClean="0"/>
-              <a:t>29/10/2019</a:t>
+              <a:t>04/11/2019</a:t>
             </a:fld>
             <a:endParaRPr lang="fr-FR"/>
           </a:p>
@@ -472,7 +472,7 @@
           <a:p>
             <a:fld id="{2642DE4A-4760-3A41-BB5A-545DBD07DF79}" type="datetimeFigureOut">
               <a:rPr lang="fr-FR" smtClean="0"/>
-              <a:t>29/10/2019</a:t>
+              <a:t>04/11/2019</a:t>
             </a:fld>
             <a:endParaRPr lang="fr-FR"/>
           </a:p>
@@ -680,7 +680,7 @@
           <a:p>
             <a:fld id="{2642DE4A-4760-3A41-BB5A-545DBD07DF79}" type="datetimeFigureOut">
               <a:rPr lang="fr-FR" smtClean="0"/>
-              <a:t>29/10/2019</a:t>
+              <a:t>04/11/2019</a:t>
             </a:fld>
             <a:endParaRPr lang="fr-FR"/>
           </a:p>
@@ -878,7 +878,7 @@
           <a:p>
             <a:fld id="{2642DE4A-4760-3A41-BB5A-545DBD07DF79}" type="datetimeFigureOut">
               <a:rPr lang="fr-FR" smtClean="0"/>
-              <a:t>29/10/2019</a:t>
+              <a:t>04/11/2019</a:t>
             </a:fld>
             <a:endParaRPr lang="fr-FR"/>
           </a:p>
@@ -1153,7 +1153,7 @@
           <a:p>
             <a:fld id="{2642DE4A-4760-3A41-BB5A-545DBD07DF79}" type="datetimeFigureOut">
               <a:rPr lang="fr-FR" smtClean="0"/>
-              <a:t>29/10/2019</a:t>
+              <a:t>04/11/2019</a:t>
             </a:fld>
             <a:endParaRPr lang="fr-FR"/>
           </a:p>
@@ -1418,7 +1418,7 @@
           <a:p>
             <a:fld id="{2642DE4A-4760-3A41-BB5A-545DBD07DF79}" type="datetimeFigureOut">
               <a:rPr lang="fr-FR" smtClean="0"/>
-              <a:t>29/10/2019</a:t>
+              <a:t>04/11/2019</a:t>
             </a:fld>
             <a:endParaRPr lang="fr-FR"/>
           </a:p>
@@ -1830,7 +1830,7 @@
           <a:p>
             <a:fld id="{2642DE4A-4760-3A41-BB5A-545DBD07DF79}" type="datetimeFigureOut">
               <a:rPr lang="fr-FR" smtClean="0"/>
-              <a:t>29/10/2019</a:t>
+              <a:t>04/11/2019</a:t>
             </a:fld>
             <a:endParaRPr lang="fr-FR"/>
           </a:p>
@@ -1971,7 +1971,7 @@
           <a:p>
             <a:fld id="{2642DE4A-4760-3A41-BB5A-545DBD07DF79}" type="datetimeFigureOut">
               <a:rPr lang="fr-FR" smtClean="0"/>
-              <a:t>29/10/2019</a:t>
+              <a:t>04/11/2019</a:t>
             </a:fld>
             <a:endParaRPr lang="fr-FR"/>
           </a:p>
@@ -2084,7 +2084,7 @@
           <a:p>
             <a:fld id="{2642DE4A-4760-3A41-BB5A-545DBD07DF79}" type="datetimeFigureOut">
               <a:rPr lang="fr-FR" smtClean="0"/>
-              <a:t>29/10/2019</a:t>
+              <a:t>04/11/2019</a:t>
             </a:fld>
             <a:endParaRPr lang="fr-FR"/>
           </a:p>
@@ -2395,7 +2395,7 @@
           <a:p>
             <a:fld id="{2642DE4A-4760-3A41-BB5A-545DBD07DF79}" type="datetimeFigureOut">
               <a:rPr lang="fr-FR" smtClean="0"/>
-              <a:t>29/10/2019</a:t>
+              <a:t>04/11/2019</a:t>
             </a:fld>
             <a:endParaRPr lang="fr-FR"/>
           </a:p>
@@ -2683,7 +2683,7 @@
           <a:p>
             <a:fld id="{2642DE4A-4760-3A41-BB5A-545DBD07DF79}" type="datetimeFigureOut">
               <a:rPr lang="fr-FR" smtClean="0"/>
-              <a:t>29/10/2019</a:t>
+              <a:t>04/11/2019</a:t>
             </a:fld>
             <a:endParaRPr lang="fr-FR"/>
           </a:p>
@@ -2924,7 +2924,7 @@
           <a:p>
             <a:fld id="{2642DE4A-4760-3A41-BB5A-545DBD07DF79}" type="datetimeFigureOut">
               <a:rPr lang="fr-FR" smtClean="0"/>
-              <a:t>29/10/2019</a:t>
+              <a:t>04/11/2019</a:t>
             </a:fld>
             <a:endParaRPr lang="fr-FR"/>
           </a:p>
@@ -3497,15 +3497,7 @@
           <a:p>
             <a:r>
               <a:rPr lang="fr-FR" dirty="0"/>
-              <a:t>Concept : une coupe doit attraper des boules de glace et des </a:t>
-            </a:r>
-            <a:r>
-              <a:rPr lang="fr-FR" dirty="0" err="1"/>
-              <a:t>toppings</a:t>
-            </a:r>
-            <a:r>
-              <a:rPr lang="fr-FR" dirty="0"/>
-              <a:t> qui tombent pour constituer une coupe de glace</a:t>
+              <a:t>Concept : une coupe doit attraper des boules de glace qui tombent pour constituer une coupe de glace</a:t>
             </a:r>
           </a:p>
           <a:p>
